--- a/docs/まとめサイト管理ソフトウェア要件定義.pptx
+++ b/docs/まとめサイト管理ソフトウェア要件定義.pptx
@@ -6,8 +6,8 @@
   </p:sldMasterIdLst>
   <p:sldIdLst>
     <p:sldId id="257" r:id="rId2"/>
-    <p:sldId id="267" r:id="rId3"/>
-    <p:sldId id="265" r:id="rId4"/>
+    <p:sldId id="271" r:id="rId3"/>
+    <p:sldId id="269" r:id="rId4"/>
     <p:sldId id="268" r:id="rId5"/>
     <p:sldId id="266" r:id="rId6"/>
     <p:sldId id="264" r:id="rId7"/>
@@ -5939,7 +5939,13 @@
   <p:cSld>
     <p:spTree>
       <p:nvGrpSpPr>
-        <p:cNvPr id="1" name=""/>
+        <p:cNvPr id="1" name="">
+          <a:extLst>
+            <a:ext uri="{FF2B5EF4-FFF2-40B4-BE49-F238E27FC236}">
+              <a16:creationId xmlns:a16="http://schemas.microsoft.com/office/drawing/2014/main" id="{0672F740-F211-3FC0-DC96-3A85D87BE3C8}"/>
+            </a:ext>
+          </a:extLst>
+        </p:cNvPr>
         <p:cNvGrpSpPr/>
         <p:nvPr/>
       </p:nvGrpSpPr>
@@ -5953,358 +5959,10 @@
       </p:grpSpPr>
       <p:sp>
         <p:nvSpPr>
-          <p:cNvPr id="4" name="テキスト ボックス 3">
-            <a:extLst>
-              <a:ext uri="{FF2B5EF4-FFF2-40B4-BE49-F238E27FC236}">
-                <a16:creationId xmlns:a16="http://schemas.microsoft.com/office/drawing/2014/main" id="{1D0A902A-9AC3-E42F-5E0F-193A249628A1}"/>
-              </a:ext>
-            </a:extLst>
-          </p:cNvPr>
-          <p:cNvSpPr txBox="1"/>
-          <p:nvPr/>
-        </p:nvSpPr>
-        <p:spPr>
-          <a:xfrm>
-            <a:off x="517236" y="3832969"/>
-            <a:ext cx="5375564" cy="600164"/>
-          </a:xfrm>
-          <a:prstGeom prst="rect">
-            <a:avLst/>
-          </a:prstGeom>
-          <a:noFill/>
-        </p:spPr>
-        <p:txBody>
-          <a:bodyPr wrap="square" rtlCol="0">
-            <a:spAutoFit/>
-          </a:bodyPr>
-          <a:lstStyle/>
-          <a:p>
-            <a:r>
-              <a:rPr lang="ja-JP" altLang="en-US" sz="1100" strike="sngStrike" dirty="0"/>
-              <a:t>・</a:t>
-            </a:r>
-            <a:r>
-              <a:rPr lang="en-US" altLang="ja-JP" sz="1100" strike="sngStrike" dirty="0"/>
-              <a:t>URL</a:t>
-            </a:r>
-            <a:r>
-              <a:rPr lang="ja-JP" altLang="en-US" sz="1100" strike="sngStrike" dirty="0"/>
-              <a:t>を取得するロジック</a:t>
-            </a:r>
-            <a:br>
-              <a:rPr lang="en-US" altLang="ja-JP" sz="1100" strike="sngStrike" dirty="0"/>
-            </a:br>
-            <a:r>
-              <a:rPr lang="en-US" altLang="ja-JP" sz="1100" strike="sngStrike" dirty="0"/>
-              <a:t>-&gt;</a:t>
-            </a:r>
-            <a:r>
-              <a:rPr lang="ja-JP" altLang="en-US" sz="1100" strike="sngStrike" dirty="0"/>
-              <a:t>現在は</a:t>
-            </a:r>
-            <a:r>
-              <a:rPr lang="en-US" altLang="ja-JP" sz="1100" strike="sngStrike" dirty="0" err="1"/>
-              <a:t>ScraperConfig</a:t>
-            </a:r>
-            <a:r>
-              <a:rPr lang="ja-JP" altLang="en-US" sz="1100" strike="sngStrike" dirty="0"/>
-              <a:t>のフィールドにハードコーディング</a:t>
-            </a:r>
-            <a:endParaRPr lang="en-US" altLang="ja-JP" sz="1100" strike="sngStrike" dirty="0"/>
-          </a:p>
-          <a:p>
-            <a:r>
-              <a:rPr kumimoji="1" lang="ja-JP" altLang="en-US" sz="1100" strike="sngStrike" dirty="0"/>
-              <a:t>・それ以外の</a:t>
-            </a:r>
-            <a:r>
-              <a:rPr kumimoji="1" lang="en-US" altLang="ja-JP" sz="1100" strike="sngStrike" dirty="0"/>
-              <a:t>Node</a:t>
-            </a:r>
-            <a:r>
-              <a:rPr kumimoji="1" lang="ja-JP" altLang="en-US" sz="1100" strike="sngStrike" dirty="0"/>
-              <a:t>の位置データもハードコーディングになっている</a:t>
-            </a:r>
-          </a:p>
-        </p:txBody>
-      </p:sp>
-      <p:sp>
-        <p:nvSpPr>
-          <p:cNvPr id="5" name="テキスト ボックス 4">
-            <a:extLst>
-              <a:ext uri="{FF2B5EF4-FFF2-40B4-BE49-F238E27FC236}">
-                <a16:creationId xmlns:a16="http://schemas.microsoft.com/office/drawing/2014/main" id="{53AD3E61-F4EA-3FEF-C670-E6CD3EDA467B}"/>
-              </a:ext>
-            </a:extLst>
-          </p:cNvPr>
-          <p:cNvSpPr txBox="1"/>
-          <p:nvPr/>
-        </p:nvSpPr>
-        <p:spPr>
-          <a:xfrm>
-            <a:off x="997526" y="3214255"/>
-            <a:ext cx="1948874" cy="369332"/>
-          </a:xfrm>
-          <a:prstGeom prst="rect">
-            <a:avLst/>
-          </a:prstGeom>
-          <a:noFill/>
-        </p:spPr>
-        <p:txBody>
-          <a:bodyPr wrap="square" rtlCol="0">
-            <a:spAutoFit/>
-          </a:bodyPr>
-          <a:lstStyle/>
-          <a:p>
-            <a:r>
-              <a:rPr lang="ja-JP" altLang="en-US" dirty="0"/>
-              <a:t>不具合・課題</a:t>
-            </a:r>
-            <a:endParaRPr lang="en-US" altLang="ja-JP" dirty="0"/>
-          </a:p>
-        </p:txBody>
-      </p:sp>
-      <p:sp>
-        <p:nvSpPr>
-          <p:cNvPr id="8" name="テキスト ボックス 7">
-            <a:extLst>
-              <a:ext uri="{FF2B5EF4-FFF2-40B4-BE49-F238E27FC236}">
-                <a16:creationId xmlns:a16="http://schemas.microsoft.com/office/drawing/2014/main" id="{55422213-D37E-8087-30CC-F84D1D621A94}"/>
-              </a:ext>
-            </a:extLst>
-          </p:cNvPr>
-          <p:cNvSpPr txBox="1"/>
-          <p:nvPr/>
-        </p:nvSpPr>
-        <p:spPr>
-          <a:xfrm>
-            <a:off x="1214581" y="489466"/>
-            <a:ext cx="1450109" cy="369332"/>
-          </a:xfrm>
-          <a:prstGeom prst="rect">
-            <a:avLst/>
-          </a:prstGeom>
-          <a:noFill/>
-        </p:spPr>
-        <p:txBody>
-          <a:bodyPr wrap="square" rtlCol="0">
-            <a:spAutoFit/>
-          </a:bodyPr>
-          <a:lstStyle/>
-          <a:p>
-            <a:r>
-              <a:rPr kumimoji="1" lang="ja-JP" altLang="en-US" dirty="0"/>
-              <a:t>タスク</a:t>
-            </a:r>
-          </a:p>
-        </p:txBody>
-      </p:sp>
-      <p:sp>
-        <p:nvSpPr>
-          <p:cNvPr id="2" name="テキスト ボックス 1">
-            <a:extLst>
-              <a:ext uri="{FF2B5EF4-FFF2-40B4-BE49-F238E27FC236}">
-                <a16:creationId xmlns:a16="http://schemas.microsoft.com/office/drawing/2014/main" id="{E21E6650-4E8F-3992-4545-CB7B2979068C}"/>
-              </a:ext>
-            </a:extLst>
-          </p:cNvPr>
-          <p:cNvSpPr txBox="1"/>
-          <p:nvPr/>
-        </p:nvSpPr>
-        <p:spPr>
-          <a:xfrm>
-            <a:off x="517236" y="858798"/>
-            <a:ext cx="4849091" cy="1169551"/>
-          </a:xfrm>
-          <a:prstGeom prst="rect">
-            <a:avLst/>
-          </a:prstGeom>
-          <a:noFill/>
-        </p:spPr>
-        <p:txBody>
-          <a:bodyPr wrap="square" rtlCol="0">
-            <a:spAutoFit/>
-          </a:bodyPr>
-          <a:lstStyle/>
-          <a:p>
-            <a:r>
-              <a:rPr kumimoji="1" lang="ja-JP" altLang="en-US" sz="1000" dirty="0">
-                <a:latin typeface="+mn-ea"/>
-              </a:rPr>
-              <a:t>・</a:t>
-            </a:r>
-            <a:r>
-              <a:rPr kumimoji="1" lang="en-US" altLang="ja-JP" sz="1000" dirty="0" err="1">
-                <a:latin typeface="+mn-ea"/>
-              </a:rPr>
-              <a:t>ScraperConfig.json</a:t>
-            </a:r>
-            <a:r>
-              <a:rPr kumimoji="1" lang="ja-JP" altLang="en-US" sz="1000" dirty="0">
-                <a:latin typeface="+mn-ea"/>
-              </a:rPr>
-              <a:t>ファイルの属性と</a:t>
-            </a:r>
-            <a:r>
-              <a:rPr kumimoji="1" lang="en-US" altLang="ja-JP" sz="1000" dirty="0">
-                <a:latin typeface="+mn-ea"/>
-              </a:rPr>
-              <a:t>value</a:t>
-            </a:r>
-            <a:r>
-              <a:rPr kumimoji="1" lang="ja-JP" altLang="en-US" sz="1000" dirty="0">
-                <a:latin typeface="+mn-ea"/>
-              </a:rPr>
-              <a:t>の定義</a:t>
-            </a:r>
-            <a:endParaRPr kumimoji="1" lang="en-US" altLang="ja-JP" sz="1000" dirty="0">
-              <a:latin typeface="+mn-ea"/>
-            </a:endParaRPr>
-          </a:p>
-          <a:p>
-            <a:r>
-              <a:rPr lang="ja-JP" altLang="en-US" sz="1000" dirty="0">
-                <a:latin typeface="+mn-ea"/>
-              </a:rPr>
-              <a:t>・</a:t>
-            </a:r>
-            <a:r>
-              <a:rPr lang="en-US" altLang="ja-JP" sz="1000" dirty="0" err="1">
-                <a:latin typeface="+mn-ea"/>
-              </a:rPr>
-              <a:t>ScraperConfig</a:t>
-            </a:r>
-            <a:r>
-              <a:rPr lang="ja-JP" altLang="en-US" sz="1000" dirty="0">
-                <a:latin typeface="+mn-ea"/>
-              </a:rPr>
-              <a:t>クラスの作成</a:t>
-            </a:r>
-            <a:endParaRPr lang="en-US" altLang="ja-JP" sz="1000" dirty="0">
-              <a:latin typeface="+mn-ea"/>
-            </a:endParaRPr>
-          </a:p>
-          <a:p>
-            <a:r>
-              <a:rPr kumimoji="1" lang="ja-JP" altLang="en-US" sz="1000" dirty="0">
-                <a:latin typeface="+mn-ea"/>
-              </a:rPr>
-              <a:t>・</a:t>
-            </a:r>
-            <a:r>
-              <a:rPr kumimoji="1" lang="en-US" altLang="ja-JP" sz="1000" dirty="0" err="1">
-                <a:latin typeface="+mn-ea"/>
-              </a:rPr>
-              <a:t>ScraperOwner</a:t>
-            </a:r>
-            <a:r>
-              <a:rPr kumimoji="1" lang="ja-JP" altLang="en-US" sz="1000" dirty="0">
-                <a:latin typeface="+mn-ea"/>
-              </a:rPr>
-              <a:t>クラスは、</a:t>
-            </a:r>
-            <a:r>
-              <a:rPr kumimoji="1" lang="en-US" altLang="ja-JP" sz="1000" dirty="0" err="1">
-                <a:latin typeface="+mn-ea"/>
-              </a:rPr>
-              <a:t>ScraperConfig</a:t>
-            </a:r>
-            <a:r>
-              <a:rPr kumimoji="1" lang="ja-JP" altLang="en-US" sz="1000" dirty="0">
-                <a:latin typeface="+mn-ea"/>
-              </a:rPr>
-              <a:t>クラスをインスタンス化してメソッドを呼び出すだけだから最後にやる</a:t>
-            </a:r>
-            <a:endParaRPr kumimoji="1" lang="en-US" altLang="ja-JP" sz="1000" dirty="0">
-              <a:latin typeface="+mn-ea"/>
-            </a:endParaRPr>
-          </a:p>
-          <a:p>
-            <a:r>
-              <a:rPr lang="ja-JP" altLang="en-US" sz="1000" dirty="0">
-                <a:latin typeface="+mn-ea"/>
-              </a:rPr>
-              <a:t>・</a:t>
-            </a:r>
-            <a:r>
-              <a:rPr lang="en-US" altLang="ja-JP" sz="1000" strike="sngStrike" dirty="0" err="1">
-                <a:latin typeface="+mn-ea"/>
-              </a:rPr>
-              <a:t>ZawazawaScraperOwners</a:t>
-            </a:r>
-            <a:endParaRPr lang="en-US" altLang="ja-JP" sz="1000" strike="sngStrike" dirty="0">
-              <a:latin typeface="+mn-ea"/>
-            </a:endParaRPr>
-          </a:p>
-          <a:p>
-            <a:r>
-              <a:rPr lang="en-US" altLang="ja-JP" sz="1000" strike="sngStrike" dirty="0" err="1">
-                <a:latin typeface="+mn-ea"/>
-              </a:rPr>
-              <a:t>scrasperConfig</a:t>
-            </a:r>
-            <a:r>
-              <a:rPr lang="ja-JP" altLang="en-US" sz="1000" strike="sngStrike" dirty="0">
-                <a:latin typeface="+mn-ea"/>
-              </a:rPr>
-              <a:t>と調整、</a:t>
-            </a:r>
-            <a:r>
-              <a:rPr lang="en-US" altLang="ja-JP" sz="1000" strike="sngStrike" dirty="0" err="1">
-                <a:latin typeface="+mn-ea"/>
-              </a:rPr>
-              <a:t>zawazawa</a:t>
-            </a:r>
-            <a:r>
-              <a:rPr lang="ja-JP" altLang="en-US" sz="1000" strike="sngStrike" dirty="0">
-                <a:latin typeface="+mn-ea"/>
-              </a:rPr>
-              <a:t>で動くように動作確認し、不具合の捻出</a:t>
-            </a:r>
-          </a:p>
-          <a:p>
-            <a:endParaRPr kumimoji="1" lang="ja-JP" altLang="en-US" sz="1000" dirty="0">
-              <a:latin typeface="+mn-ea"/>
-            </a:endParaRPr>
-          </a:p>
-        </p:txBody>
-      </p:sp>
-    </p:spTree>
-    <p:extLst>
-      <p:ext uri="{BB962C8B-B14F-4D97-AF65-F5344CB8AC3E}">
-        <p14:creationId xmlns:p14="http://schemas.microsoft.com/office/powerpoint/2010/main" val="2806542907"/>
-      </p:ext>
-    </p:extLst>
-  </p:cSld>
-  <p:clrMapOvr>
-    <a:masterClrMapping/>
-  </p:clrMapOvr>
-</p:sld>
-</file>
-
-<file path=ppt/slides/slide3.xml><?xml version="1.0" encoding="utf-8"?>
-<p:sld xmlns:a="http://schemas.openxmlformats.org/drawingml/2006/main" xmlns:r="http://schemas.openxmlformats.org/officeDocument/2006/relationships" xmlns:p="http://schemas.openxmlformats.org/presentationml/2006/main">
-  <p:cSld>
-    <p:spTree>
-      <p:nvGrpSpPr>
-        <p:cNvPr id="1" name=""/>
-        <p:cNvGrpSpPr/>
-        <p:nvPr/>
-      </p:nvGrpSpPr>
-      <p:grpSpPr>
-        <a:xfrm>
-          <a:off x="0" y="0"/>
-          <a:ext cx="0" cy="0"/>
-          <a:chOff x="0" y="0"/>
-          <a:chExt cx="0" cy="0"/>
-        </a:xfrm>
-      </p:grpSpPr>
-      <p:sp>
-        <p:nvSpPr>
           <p:cNvPr id="4" name="四角形: 角を丸くする 3">
             <a:extLst>
               <a:ext uri="{FF2B5EF4-FFF2-40B4-BE49-F238E27FC236}">
-                <a16:creationId xmlns:a16="http://schemas.microsoft.com/office/drawing/2014/main" id="{DC8596F3-D553-314B-53BE-2DFD0DFFA420}"/>
+                <a16:creationId xmlns:a16="http://schemas.microsoft.com/office/drawing/2014/main" id="{757033FA-9368-23DC-19DA-D2EB6BCCCA26}"/>
               </a:ext>
             </a:extLst>
           </p:cNvPr>
@@ -6313,7 +5971,7 @@
         </p:nvSpPr>
         <p:spPr>
           <a:xfrm>
-            <a:off x="1137588" y="140792"/>
+            <a:off x="1125260" y="1610287"/>
             <a:ext cx="1319649" cy="429276"/>
           </a:xfrm>
           <a:prstGeom prst="roundRect">
@@ -6363,7 +6021,7 @@
           <p:cNvPr id="5" name="四角形: 角を丸くする 4">
             <a:extLst>
               <a:ext uri="{FF2B5EF4-FFF2-40B4-BE49-F238E27FC236}">
-                <a16:creationId xmlns:a16="http://schemas.microsoft.com/office/drawing/2014/main" id="{23A63EDD-6C54-B3C4-EE10-7F11E2EAFBB4}"/>
+                <a16:creationId xmlns:a16="http://schemas.microsoft.com/office/drawing/2014/main" id="{D0E32692-3F0A-E55B-FE9B-FBF46084C758}"/>
               </a:ext>
             </a:extLst>
           </p:cNvPr>
@@ -6372,7 +6030,7 @@
         </p:nvSpPr>
         <p:spPr>
           <a:xfrm>
-            <a:off x="1137587" y="1571096"/>
+            <a:off x="1137587" y="158297"/>
             <a:ext cx="1319650" cy="480290"/>
           </a:xfrm>
           <a:prstGeom prst="roundRect">
@@ -6421,24 +6079,24 @@
           <p:cNvPr id="7" name="コネクタ: カギ線 6">
             <a:extLst>
               <a:ext uri="{FF2B5EF4-FFF2-40B4-BE49-F238E27FC236}">
-                <a16:creationId xmlns:a16="http://schemas.microsoft.com/office/drawing/2014/main" id="{790FCDB3-2CED-95F0-8497-52C09BF9C157}"/>
+                <a16:creationId xmlns:a16="http://schemas.microsoft.com/office/drawing/2014/main" id="{7054B55D-17FF-B4F6-0811-BCB5A56AD804}"/>
               </a:ext>
             </a:extLst>
           </p:cNvPr>
           <p:cNvCxnSpPr>
             <a:cxnSpLocks/>
+            <a:stCxn id="23" idx="1"/>
+            <a:endCxn id="4" idx="2"/>
           </p:cNvCxnSpPr>
           <p:nvPr/>
         </p:nvCxnSpPr>
         <p:spPr>
-          <a:xfrm rot="16200000" flipV="1">
-            <a:off x="1424455" y="2409315"/>
-            <a:ext cx="3479863" cy="2841662"/>
-          </a:xfrm>
-          <a:prstGeom prst="bentConnector3">
-            <a:avLst>
-              <a:gd name="adj1" fmla="val -165"/>
-            </a:avLst>
+          <a:xfrm rot="10800000">
+            <a:off x="1785085" y="2039563"/>
+            <a:ext cx="2949388" cy="3525984"/>
+          </a:xfrm>
+          <a:prstGeom prst="bentConnector2">
+            <a:avLst/>
           </a:prstGeom>
           <a:ln>
             <a:tailEnd type="triangle"/>
@@ -6446,13 +6104,13 @@
         </p:spPr>
         <p:style>
           <a:lnRef idx="2">
-            <a:schemeClr val="accent1"/>
+            <a:schemeClr val="dk1"/>
           </a:lnRef>
           <a:fillRef idx="0">
-            <a:schemeClr val="accent1"/>
+            <a:schemeClr val="dk1"/>
           </a:fillRef>
           <a:effectRef idx="1">
-            <a:schemeClr val="accent1"/>
+            <a:schemeClr val="dk1"/>
           </a:effectRef>
           <a:fontRef idx="minor">
             <a:schemeClr val="tx1"/>
@@ -6464,38 +6122,39 @@
           <p:cNvPr id="9" name="直線矢印コネクタ 8">
             <a:extLst>
               <a:ext uri="{FF2B5EF4-FFF2-40B4-BE49-F238E27FC236}">
-                <a16:creationId xmlns:a16="http://schemas.microsoft.com/office/drawing/2014/main" id="{3FC5242C-6641-912D-7747-684FA6D914DF}"/>
+                <a16:creationId xmlns:a16="http://schemas.microsoft.com/office/drawing/2014/main" id="{BFCCD570-DB4E-969C-C91E-EF730F84914B}"/>
               </a:ext>
             </a:extLst>
           </p:cNvPr>
           <p:cNvCxnSpPr>
             <a:cxnSpLocks/>
-            <a:stCxn id="4" idx="2"/>
-            <a:endCxn id="5" idx="0"/>
+            <a:stCxn id="4" idx="0"/>
+            <a:endCxn id="5" idx="2"/>
           </p:cNvCxnSpPr>
           <p:nvPr/>
         </p:nvCxnSpPr>
         <p:spPr>
-          <a:xfrm flipH="1">
-            <a:off x="1797412" y="570068"/>
-            <a:ext cx="1" cy="1001028"/>
+          <a:xfrm flipV="1">
+            <a:off x="1785085" y="638587"/>
+            <a:ext cx="12327" cy="971700"/>
           </a:xfrm>
           <a:prstGeom prst="straightConnector1">
             <a:avLst/>
           </a:prstGeom>
           <a:ln>
+            <a:prstDash val="sysDash"/>
             <a:tailEnd type="triangle"/>
           </a:ln>
         </p:spPr>
         <p:style>
           <a:lnRef idx="2">
-            <a:schemeClr val="accent1"/>
+            <a:schemeClr val="dk1"/>
           </a:lnRef>
           <a:fillRef idx="0">
-            <a:schemeClr val="accent1"/>
+            <a:schemeClr val="dk1"/>
           </a:fillRef>
           <a:effectRef idx="1">
-            <a:schemeClr val="accent1"/>
+            <a:schemeClr val="dk1"/>
           </a:effectRef>
           <a:fontRef idx="minor">
             <a:schemeClr val="tx1"/>
@@ -6507,7 +6166,7 @@
           <p:cNvPr id="10" name="グラフィックス 9" descr="ブラウザー ウィンドウ 枠線">
             <a:extLst>
               <a:ext uri="{FF2B5EF4-FFF2-40B4-BE49-F238E27FC236}">
-                <a16:creationId xmlns:a16="http://schemas.microsoft.com/office/drawing/2014/main" id="{1985DC0A-2405-7E7B-2203-72F49FC9CBFF}"/>
+                <a16:creationId xmlns:a16="http://schemas.microsoft.com/office/drawing/2014/main" id="{8403C30E-A65B-2C58-F705-0E992C87780F}"/>
               </a:ext>
             </a:extLst>
           </p:cNvPr>
@@ -6540,111 +6199,10 @@
       </p:pic>
       <p:sp>
         <p:nvSpPr>
-          <p:cNvPr id="11" name="四角形: 角を丸くする 10">
-            <a:extLst>
-              <a:ext uri="{FF2B5EF4-FFF2-40B4-BE49-F238E27FC236}">
-                <a16:creationId xmlns:a16="http://schemas.microsoft.com/office/drawing/2014/main" id="{1EE415F3-69EC-D730-14B2-DB5CD0810044}"/>
-              </a:ext>
-            </a:extLst>
-          </p:cNvPr>
-          <p:cNvSpPr/>
-          <p:nvPr/>
-        </p:nvSpPr>
-        <p:spPr>
-          <a:xfrm>
-            <a:off x="7069596" y="1584724"/>
-            <a:ext cx="1319649" cy="429276"/>
-          </a:xfrm>
-          <a:prstGeom prst="roundRect">
-            <a:avLst/>
-          </a:prstGeom>
-          <a:solidFill>
-            <a:schemeClr val="accent6"/>
-          </a:solidFill>
-          <a:ln>
-            <a:solidFill>
-              <a:schemeClr val="tx1"/>
-            </a:solidFill>
-          </a:ln>
-        </p:spPr>
-        <p:style>
-          <a:lnRef idx="2">
-            <a:schemeClr val="accent1">
-              <a:shade val="15000"/>
-            </a:schemeClr>
-          </a:lnRef>
-          <a:fillRef idx="1">
-            <a:schemeClr val="accent1"/>
-          </a:fillRef>
-          <a:effectRef idx="0">
-            <a:schemeClr val="accent1"/>
-          </a:effectRef>
-          <a:fontRef idx="minor">
-            <a:schemeClr val="lt1"/>
-          </a:fontRef>
-        </p:style>
-        <p:txBody>
-          <a:bodyPr rtlCol="0" anchor="ctr"/>
-          <a:lstStyle/>
-          <a:p>
-            <a:pPr algn="ctr"/>
-            <a:r>
-              <a:rPr lang="en-US" altLang="ja-JP" sz="1100" dirty="0" err="1"/>
-              <a:t>ScraperLogic</a:t>
-            </a:r>
-            <a:endParaRPr lang="en-US" altLang="ja-JP" sz="1100" dirty="0"/>
-          </a:p>
-        </p:txBody>
-      </p:sp>
-      <p:cxnSp>
-        <p:nvCxnSpPr>
-          <p:cNvPr id="20" name="直線矢印コネクタ 19">
-            <a:extLst>
-              <a:ext uri="{FF2B5EF4-FFF2-40B4-BE49-F238E27FC236}">
-                <a16:creationId xmlns:a16="http://schemas.microsoft.com/office/drawing/2014/main" id="{8FBE202B-8915-FAE1-BD9C-5D3E556302B3}"/>
-              </a:ext>
-            </a:extLst>
-          </p:cNvPr>
-          <p:cNvCxnSpPr>
-            <a:cxnSpLocks/>
-            <a:stCxn id="11" idx="1"/>
-            <a:endCxn id="24" idx="3"/>
-          </p:cNvCxnSpPr>
-          <p:nvPr/>
-        </p:nvCxnSpPr>
-        <p:spPr>
-          <a:xfrm flipH="1">
-            <a:off x="6149689" y="1799362"/>
-            <a:ext cx="919907" cy="0"/>
-          </a:xfrm>
-          <a:prstGeom prst="straightConnector1">
-            <a:avLst/>
-          </a:prstGeom>
-          <a:ln>
-            <a:tailEnd type="triangle"/>
-          </a:ln>
-        </p:spPr>
-        <p:style>
-          <a:lnRef idx="2">
-            <a:schemeClr val="accent1"/>
-          </a:lnRef>
-          <a:fillRef idx="0">
-            <a:schemeClr val="accent1"/>
-          </a:fillRef>
-          <a:effectRef idx="1">
-            <a:schemeClr val="accent1"/>
-          </a:effectRef>
-          <a:fontRef idx="minor">
-            <a:schemeClr val="tx1"/>
-          </a:fontRef>
-        </p:style>
-      </p:cxnSp>
-      <p:sp>
-        <p:nvSpPr>
           <p:cNvPr id="23" name="四角形: 角を丸くする 22">
             <a:extLst>
               <a:ext uri="{FF2B5EF4-FFF2-40B4-BE49-F238E27FC236}">
-                <a16:creationId xmlns:a16="http://schemas.microsoft.com/office/drawing/2014/main" id="{032A5C4F-93F5-1641-BD0E-6B73ED398DA7}"/>
+                <a16:creationId xmlns:a16="http://schemas.microsoft.com/office/drawing/2014/main" id="{FA1BEE6E-FFAE-2AA3-988C-68E96D36A775}"/>
               </a:ext>
             </a:extLst>
           </p:cNvPr>
@@ -6698,170 +6256,10 @@
       </p:sp>
       <p:sp>
         <p:nvSpPr>
-          <p:cNvPr id="24" name="四角形: 角を丸くする 23">
-            <a:extLst>
-              <a:ext uri="{FF2B5EF4-FFF2-40B4-BE49-F238E27FC236}">
-                <a16:creationId xmlns:a16="http://schemas.microsoft.com/office/drawing/2014/main" id="{A0109724-2E92-ADBB-B0EA-C4A967DC2AD1}"/>
-              </a:ext>
-            </a:extLst>
-          </p:cNvPr>
-          <p:cNvSpPr/>
-          <p:nvPr/>
-        </p:nvSpPr>
-        <p:spPr>
-          <a:xfrm>
-            <a:off x="4830040" y="1584724"/>
-            <a:ext cx="1319649" cy="429276"/>
-          </a:xfrm>
-          <a:prstGeom prst="roundRect">
-            <a:avLst/>
-          </a:prstGeom>
-          <a:solidFill>
-            <a:schemeClr val="accent6"/>
-          </a:solidFill>
-          <a:ln>
-            <a:solidFill>
-              <a:schemeClr val="tx1"/>
-            </a:solidFill>
-          </a:ln>
-        </p:spPr>
-        <p:style>
-          <a:lnRef idx="2">
-            <a:schemeClr val="accent1">
-              <a:shade val="15000"/>
-            </a:schemeClr>
-          </a:lnRef>
-          <a:fillRef idx="1">
-            <a:schemeClr val="accent1"/>
-          </a:fillRef>
-          <a:effectRef idx="0">
-            <a:schemeClr val="accent1"/>
-          </a:effectRef>
-          <a:fontRef idx="minor">
-            <a:schemeClr val="lt1"/>
-          </a:fontRef>
-        </p:style>
-        <p:txBody>
-          <a:bodyPr rtlCol="0" anchor="ctr"/>
-          <a:lstStyle/>
-          <a:p>
-            <a:pPr algn="ctr"/>
-            <a:r>
-              <a:rPr lang="en-US" altLang="ja-JP" sz="1100" dirty="0" err="1"/>
-              <a:t>ScraperConfig</a:t>
-            </a:r>
-            <a:endParaRPr lang="en-US" altLang="ja-JP" sz="1100" dirty="0"/>
-          </a:p>
-        </p:txBody>
-      </p:sp>
-      <p:sp>
-        <p:nvSpPr>
-          <p:cNvPr id="25" name="四角形: 角を丸くする 24">
-            <a:extLst>
-              <a:ext uri="{FF2B5EF4-FFF2-40B4-BE49-F238E27FC236}">
-                <a16:creationId xmlns:a16="http://schemas.microsoft.com/office/drawing/2014/main" id="{4965910F-AB6D-E510-63DC-0A9DE77D897B}"/>
-              </a:ext>
-            </a:extLst>
-          </p:cNvPr>
-          <p:cNvSpPr/>
-          <p:nvPr/>
-        </p:nvSpPr>
-        <p:spPr>
-          <a:xfrm>
-            <a:off x="7069596" y="99714"/>
-            <a:ext cx="1319649" cy="429276"/>
-          </a:xfrm>
-          <a:prstGeom prst="roundRect">
-            <a:avLst/>
-          </a:prstGeom>
-          <a:solidFill>
-            <a:schemeClr val="accent1">
-              <a:lumMod val="20000"/>
-              <a:lumOff val="80000"/>
-            </a:schemeClr>
-          </a:solidFill>
-          <a:ln>
-            <a:prstDash val="sysDash"/>
-          </a:ln>
-        </p:spPr>
-        <p:style>
-          <a:lnRef idx="2">
-            <a:schemeClr val="accent1">
-              <a:shade val="15000"/>
-            </a:schemeClr>
-          </a:lnRef>
-          <a:fillRef idx="1">
-            <a:schemeClr val="accent1"/>
-          </a:fillRef>
-          <a:effectRef idx="0">
-            <a:schemeClr val="accent1"/>
-          </a:effectRef>
-          <a:fontRef idx="minor">
-            <a:schemeClr val="lt1"/>
-          </a:fontRef>
-        </p:style>
-        <p:txBody>
-          <a:bodyPr rtlCol="0" anchor="ctr"/>
-          <a:lstStyle/>
-          <a:p>
-            <a:pPr algn="ctr"/>
-            <a:r>
-              <a:rPr lang="en-US" altLang="ja-JP" sz="1100" dirty="0" err="1"/>
-              <a:t>IScraperLogic</a:t>
-            </a:r>
-            <a:endParaRPr lang="en-US" altLang="ja-JP" sz="1100" dirty="0"/>
-          </a:p>
-        </p:txBody>
-      </p:sp>
-      <p:cxnSp>
-        <p:nvCxnSpPr>
-          <p:cNvPr id="27" name="直線矢印コネクタ 26">
-            <a:extLst>
-              <a:ext uri="{FF2B5EF4-FFF2-40B4-BE49-F238E27FC236}">
-                <a16:creationId xmlns:a16="http://schemas.microsoft.com/office/drawing/2014/main" id="{0346EB9B-86BD-DE6B-65AF-F4F7BE534AD4}"/>
-              </a:ext>
-            </a:extLst>
-          </p:cNvPr>
-          <p:cNvCxnSpPr>
-            <a:cxnSpLocks/>
-            <a:stCxn id="25" idx="2"/>
-            <a:endCxn id="11" idx="0"/>
-          </p:cNvCxnSpPr>
-          <p:nvPr/>
-        </p:nvCxnSpPr>
-        <p:spPr>
-          <a:xfrm>
-            <a:off x="7729421" y="528990"/>
-            <a:ext cx="0" cy="1055734"/>
-          </a:xfrm>
-          <a:prstGeom prst="straightConnector1">
-            <a:avLst/>
-          </a:prstGeom>
-          <a:ln>
-            <a:tailEnd type="triangle"/>
-          </a:ln>
-        </p:spPr>
-        <p:style>
-          <a:lnRef idx="2">
-            <a:schemeClr val="accent1"/>
-          </a:lnRef>
-          <a:fillRef idx="0">
-            <a:schemeClr val="accent1"/>
-          </a:fillRef>
-          <a:effectRef idx="1">
-            <a:schemeClr val="accent1"/>
-          </a:effectRef>
-          <a:fontRef idx="minor">
-            <a:schemeClr val="tx1"/>
-          </a:fontRef>
-        </p:style>
-      </p:cxnSp>
-      <p:sp>
-        <p:nvSpPr>
           <p:cNvPr id="31" name="テキスト ボックス 30">
             <a:extLst>
               <a:ext uri="{FF2B5EF4-FFF2-40B4-BE49-F238E27FC236}">
-                <a16:creationId xmlns:a16="http://schemas.microsoft.com/office/drawing/2014/main" id="{8A5045C9-57B3-8720-9A50-C27F12CB73EE}"/>
+                <a16:creationId xmlns:a16="http://schemas.microsoft.com/office/drawing/2014/main" id="{DA57C83D-1A27-D62C-B072-2EAC1A190331}"/>
               </a:ext>
             </a:extLst>
           </p:cNvPr>
@@ -6897,7 +6295,7 @@
           <p:cNvPr id="32" name="四角形: 角を丸くする 31">
             <a:extLst>
               <a:ext uri="{FF2B5EF4-FFF2-40B4-BE49-F238E27FC236}">
-                <a16:creationId xmlns:a16="http://schemas.microsoft.com/office/drawing/2014/main" id="{41DAC219-43FB-E625-5F72-E77E8D5136A0}"/>
+                <a16:creationId xmlns:a16="http://schemas.microsoft.com/office/drawing/2014/main" id="{AFE22D78-36AB-9B03-4938-7B37B643168E}"/>
               </a:ext>
             </a:extLst>
           </p:cNvPr>
@@ -6906,7 +6304,7 @@
         </p:nvSpPr>
         <p:spPr>
           <a:xfrm>
-            <a:off x="4577457" y="102151"/>
+            <a:off x="4463740" y="1583294"/>
             <a:ext cx="1808374" cy="429276"/>
           </a:xfrm>
           <a:prstGeom prst="roundRect">
@@ -6956,21 +6354,21 @@
           <p:cNvPr id="33" name="直線矢印コネクタ 32">
             <a:extLst>
               <a:ext uri="{FF2B5EF4-FFF2-40B4-BE49-F238E27FC236}">
-                <a16:creationId xmlns:a16="http://schemas.microsoft.com/office/drawing/2014/main" id="{E1A66760-C5DC-257F-FC66-84CCC80EBB40}"/>
+                <a16:creationId xmlns:a16="http://schemas.microsoft.com/office/drawing/2014/main" id="{489D5D0A-C688-96EE-3156-3284746CE4F8}"/>
               </a:ext>
             </a:extLst>
           </p:cNvPr>
           <p:cNvCxnSpPr>
             <a:cxnSpLocks/>
-            <a:stCxn id="32" idx="2"/>
-            <a:endCxn id="24" idx="0"/>
+            <a:stCxn id="12" idx="2"/>
+            <a:endCxn id="32" idx="0"/>
           </p:cNvCxnSpPr>
           <p:nvPr/>
         </p:nvCxnSpPr>
         <p:spPr>
           <a:xfrm>
-            <a:off x="5481644" y="531427"/>
-            <a:ext cx="8221" cy="1053297"/>
+            <a:off x="5367927" y="579505"/>
+            <a:ext cx="0" cy="1003789"/>
           </a:xfrm>
           <a:prstGeom prst="straightConnector1">
             <a:avLst/>
@@ -6981,13 +6379,13 @@
         </p:spPr>
         <p:style>
           <a:lnRef idx="2">
-            <a:schemeClr val="accent1"/>
+            <a:schemeClr val="dk1"/>
           </a:lnRef>
           <a:fillRef idx="0">
-            <a:schemeClr val="accent1"/>
+            <a:schemeClr val="dk1"/>
           </a:fillRef>
           <a:effectRef idx="1">
-            <a:schemeClr val="accent1"/>
+            <a:schemeClr val="dk1"/>
           </a:effectRef>
           <a:fontRef idx="minor">
             <a:schemeClr val="tx1"/>
@@ -6996,46 +6394,10 @@
       </p:cxnSp>
       <p:sp>
         <p:nvSpPr>
-          <p:cNvPr id="6" name="テキスト ボックス 5">
-            <a:extLst>
-              <a:ext uri="{FF2B5EF4-FFF2-40B4-BE49-F238E27FC236}">
-                <a16:creationId xmlns:a16="http://schemas.microsoft.com/office/drawing/2014/main" id="{58ECBBAC-D6F0-847D-14B1-132660DDD40E}"/>
-              </a:ext>
-            </a:extLst>
-          </p:cNvPr>
-          <p:cNvSpPr txBox="1"/>
-          <p:nvPr/>
-        </p:nvSpPr>
-        <p:spPr>
-          <a:xfrm>
-            <a:off x="6110130" y="1453149"/>
-            <a:ext cx="1069903" cy="230832"/>
-          </a:xfrm>
-          <a:prstGeom prst="rect">
-            <a:avLst/>
-          </a:prstGeom>
-          <a:noFill/>
-        </p:spPr>
-        <p:txBody>
-          <a:bodyPr wrap="square" rtlCol="0">
-            <a:spAutoFit/>
-          </a:bodyPr>
-          <a:lstStyle/>
-          <a:p>
-            <a:r>
-              <a:rPr kumimoji="1" lang="en-US" altLang="ja-JP" sz="900" dirty="0"/>
-              <a:t>composition</a:t>
-            </a:r>
-            <a:endParaRPr kumimoji="1" lang="ja-JP" altLang="en-US" sz="900" dirty="0"/>
-          </a:p>
-        </p:txBody>
-      </p:sp>
-      <p:sp>
-        <p:nvSpPr>
           <p:cNvPr id="15" name="四角形: 角を丸くする 14">
             <a:extLst>
               <a:ext uri="{FF2B5EF4-FFF2-40B4-BE49-F238E27FC236}">
-                <a16:creationId xmlns:a16="http://schemas.microsoft.com/office/drawing/2014/main" id="{18410B66-E60E-CEC1-F49D-05CFDD7B81C7}"/>
+                <a16:creationId xmlns:a16="http://schemas.microsoft.com/office/drawing/2014/main" id="{C080A905-371E-A83F-C5A8-C03517915F53}"/>
               </a:ext>
             </a:extLst>
           </p:cNvPr>
@@ -7044,7 +6406,7 @@
         </p:nvSpPr>
         <p:spPr>
           <a:xfrm>
-            <a:off x="1815270" y="4570436"/>
+            <a:off x="1867864" y="4560390"/>
             <a:ext cx="1667472" cy="347244"/>
           </a:xfrm>
           <a:prstGeom prst="roundRect">
@@ -7090,21 +6452,21 @@
           <p:cNvPr id="30" name="直線矢印コネクタ 29">
             <a:extLst>
               <a:ext uri="{FF2B5EF4-FFF2-40B4-BE49-F238E27FC236}">
-                <a16:creationId xmlns:a16="http://schemas.microsoft.com/office/drawing/2014/main" id="{469046BF-302A-EFC4-9560-9A1A44AAA5C6}"/>
+                <a16:creationId xmlns:a16="http://schemas.microsoft.com/office/drawing/2014/main" id="{BC3CC864-B939-3565-73D1-9BD7FB5CA419}"/>
               </a:ext>
             </a:extLst>
           </p:cNvPr>
           <p:cNvCxnSpPr>
             <a:cxnSpLocks/>
-            <a:stCxn id="45" idx="3"/>
-            <a:endCxn id="24" idx="1"/>
+            <a:stCxn id="32" idx="1"/>
+            <a:endCxn id="49" idx="1"/>
           </p:cNvCxnSpPr>
           <p:nvPr/>
         </p:nvCxnSpPr>
         <p:spPr>
-          <a:xfrm flipV="1">
-            <a:off x="2747044" y="1799362"/>
-            <a:ext cx="2082996" cy="10932"/>
+          <a:xfrm flipH="1" flipV="1">
+            <a:off x="2444909" y="1791987"/>
+            <a:ext cx="2018831" cy="5945"/>
           </a:xfrm>
           <a:prstGeom prst="straightConnector1">
             <a:avLst/>
@@ -7115,13 +6477,13 @@
         </p:spPr>
         <p:style>
           <a:lnRef idx="2">
-            <a:schemeClr val="accent1"/>
+            <a:schemeClr val="dk1"/>
           </a:lnRef>
           <a:fillRef idx="0">
-            <a:schemeClr val="accent1"/>
+            <a:schemeClr val="dk1"/>
           </a:fillRef>
           <a:effectRef idx="1">
-            <a:schemeClr val="accent1"/>
+            <a:schemeClr val="dk1"/>
           </a:effectRef>
           <a:fontRef idx="minor">
             <a:schemeClr val="tx1"/>
@@ -7133,7 +6495,7 @@
           <p:cNvPr id="37" name="テキスト ボックス 36">
             <a:extLst>
               <a:ext uri="{FF2B5EF4-FFF2-40B4-BE49-F238E27FC236}">
-                <a16:creationId xmlns:a16="http://schemas.microsoft.com/office/drawing/2014/main" id="{71A35892-40A7-7A8E-7028-E0920305B6AF}"/>
+                <a16:creationId xmlns:a16="http://schemas.microsoft.com/office/drawing/2014/main" id="{21AF209C-4774-C2F7-3AD0-415529BBECF2}"/>
               </a:ext>
             </a:extLst>
           </p:cNvPr>
@@ -7164,12 +6526,118 @@
           </a:p>
         </p:txBody>
       </p:sp>
+      <p:sp>
+        <p:nvSpPr>
+          <p:cNvPr id="39" name="吹き出し: 角を丸めた四角形 38">
+            <a:extLst>
+              <a:ext uri="{FF2B5EF4-FFF2-40B4-BE49-F238E27FC236}">
+                <a16:creationId xmlns:a16="http://schemas.microsoft.com/office/drawing/2014/main" id="{702F6EC7-1D27-C629-0721-B4DA8259417E}"/>
+              </a:ext>
+            </a:extLst>
+          </p:cNvPr>
+          <p:cNvSpPr/>
+          <p:nvPr/>
+        </p:nvSpPr>
+        <p:spPr>
+          <a:xfrm>
+            <a:off x="2329367" y="2137390"/>
+            <a:ext cx="2615694" cy="535557"/>
+          </a:xfrm>
+          <a:prstGeom prst="wedgeRoundRectCallout">
+            <a:avLst>
+              <a:gd name="adj1" fmla="val -59077"/>
+              <a:gd name="adj2" fmla="val -51548"/>
+              <a:gd name="adj3" fmla="val 16667"/>
+            </a:avLst>
+          </a:prstGeom>
+          <a:solidFill>
+            <a:schemeClr val="bg1"/>
+          </a:solidFill>
+        </p:spPr>
+        <p:style>
+          <a:lnRef idx="2">
+            <a:schemeClr val="accent1">
+              <a:shade val="15000"/>
+            </a:schemeClr>
+          </a:lnRef>
+          <a:fillRef idx="1">
+            <a:schemeClr val="accent1"/>
+          </a:fillRef>
+          <a:effectRef idx="0">
+            <a:schemeClr val="accent1"/>
+          </a:effectRef>
+          <a:fontRef idx="minor">
+            <a:schemeClr val="lt1"/>
+          </a:fontRef>
+        </p:style>
+        <p:txBody>
+          <a:bodyPr rtlCol="0" anchor="ctr"/>
+          <a:lstStyle/>
+          <a:p>
+            <a:r>
+              <a:rPr lang="en-US" altLang="ja-JP" sz="800" dirty="0" err="1">
+                <a:solidFill>
+                  <a:schemeClr val="tx1"/>
+                </a:solidFill>
+              </a:rPr>
+              <a:t>ScraperConfig.json</a:t>
+            </a:r>
+            <a:r>
+              <a:rPr lang="ja-JP" altLang="en-US" sz="800" dirty="0">
+                <a:solidFill>
+                  <a:schemeClr val="tx1"/>
+                </a:solidFill>
+              </a:rPr>
+              <a:t>を解釈し、</a:t>
+            </a:r>
+            <a:r>
+              <a:rPr lang="en-US" altLang="ja-JP" sz="800" dirty="0" err="1">
+                <a:solidFill>
+                  <a:schemeClr val="tx1"/>
+                </a:solidFill>
+              </a:rPr>
+              <a:t>ScraperConfig</a:t>
+            </a:r>
+            <a:r>
+              <a:rPr lang="ja-JP" altLang="en-US" sz="800" dirty="0">
+                <a:solidFill>
+                  <a:schemeClr val="tx1"/>
+                </a:solidFill>
+              </a:rPr>
+              <a:t>インスタンスを生成</a:t>
+            </a:r>
+            <a:br>
+              <a:rPr lang="en-US" altLang="ja-JP" sz="800" dirty="0">
+                <a:solidFill>
+                  <a:schemeClr val="tx1"/>
+                </a:solidFill>
+              </a:rPr>
+            </a:br>
+            <a:r>
+              <a:rPr lang="en-US" altLang="ja-JP" sz="800" dirty="0" err="1">
+                <a:solidFill>
+                  <a:schemeClr val="tx1"/>
+                </a:solidFill>
+              </a:rPr>
+              <a:t>ScraperConfig</a:t>
+            </a:r>
+            <a:r>
+              <a:rPr lang="ja-JP" altLang="en-US" sz="800" dirty="0">
+                <a:solidFill>
+                  <a:schemeClr val="tx1"/>
+                </a:solidFill>
+              </a:rPr>
+              <a:t>インスタンスのメソッドを実行する形式でスクレイピングを行う</a:t>
+            </a:r>
+          </a:p>
+        </p:txBody>
+      </p:sp>
       <p:grpSp>
         <p:nvGrpSpPr>
-          <p:cNvPr id="68" name="グループ化 67">
-            <a:extLst>
-              <a:ext uri="{FF2B5EF4-FFF2-40B4-BE49-F238E27FC236}">
-                <a16:creationId xmlns:a16="http://schemas.microsoft.com/office/drawing/2014/main" id="{389ABC9F-7FD3-FA7D-D8F4-DA3F77F0A9D1}"/>
+          <p:cNvPr id="67" name="グループ化 66">
+            <a:extLst>
+              <a:ext uri="{FF2B5EF4-FFF2-40B4-BE49-F238E27FC236}">
+                <a16:creationId xmlns:a16="http://schemas.microsoft.com/office/drawing/2014/main" id="{2C779484-CC64-7FC9-D0D7-097C2ECE02CD}"/>
               </a:ext>
             </a:extLst>
           </p:cNvPr>
@@ -7178,18 +6646,18 @@
         </p:nvGrpSpPr>
         <p:grpSpPr>
           <a:xfrm>
-            <a:off x="2338602" y="2250266"/>
-            <a:ext cx="2938060" cy="1438602"/>
-            <a:chOff x="2338602" y="2250266"/>
-            <a:chExt cx="2938060" cy="1438602"/>
+            <a:off x="8750452" y="4227200"/>
+            <a:ext cx="3252556" cy="2414612"/>
+            <a:chOff x="8860348" y="6101046"/>
+            <a:chExt cx="3252556" cy="2957577"/>
           </a:xfrm>
         </p:grpSpPr>
         <p:sp>
           <p:nvSpPr>
-            <p:cNvPr id="39" name="吹き出し: 角を丸めた四角形 38">
+            <p:cNvPr id="66" name="四角形: 1 つの角を丸める 65">
               <a:extLst>
                 <a:ext uri="{FF2B5EF4-FFF2-40B4-BE49-F238E27FC236}">
-                  <a16:creationId xmlns:a16="http://schemas.microsoft.com/office/drawing/2014/main" id="{0F684AF0-FB35-FEC9-44B4-9073DB7F2498}"/>
+                  <a16:creationId xmlns:a16="http://schemas.microsoft.com/office/drawing/2014/main" id="{20526254-35B0-BD53-8D46-0F054B92277B}"/>
                 </a:ext>
               </a:extLst>
             </p:cNvPr>
@@ -7198,264 +6666,8 @@
           </p:nvSpPr>
           <p:spPr>
             <a:xfrm>
-              <a:off x="2338602" y="2250266"/>
-              <a:ext cx="2938060" cy="1438602"/>
-            </a:xfrm>
-            <a:prstGeom prst="wedgeRoundRectCallout">
-              <a:avLst>
-                <a:gd name="adj1" fmla="val -59077"/>
-                <a:gd name="adj2" fmla="val -51548"/>
-                <a:gd name="adj3" fmla="val 16667"/>
-              </a:avLst>
-            </a:prstGeom>
-            <a:solidFill>
-              <a:schemeClr val="bg1"/>
-            </a:solidFill>
-          </p:spPr>
-          <p:style>
-            <a:lnRef idx="2">
-              <a:schemeClr val="accent1">
-                <a:shade val="15000"/>
-              </a:schemeClr>
-            </a:lnRef>
-            <a:fillRef idx="1">
-              <a:schemeClr val="accent1"/>
-            </a:fillRef>
-            <a:effectRef idx="0">
-              <a:schemeClr val="accent1"/>
-            </a:effectRef>
-            <a:fontRef idx="minor">
-              <a:schemeClr val="lt1"/>
-            </a:fontRef>
-          </p:style>
-          <p:txBody>
-            <a:bodyPr rtlCol="0" anchor="ctr"/>
-            <a:lstStyle/>
-            <a:p>
-              <a:pPr algn="ctr"/>
-              <a:endParaRPr kumimoji="1" lang="ja-JP" altLang="en-US"/>
-            </a:p>
-          </p:txBody>
-        </p:sp>
-        <p:sp>
-          <p:nvSpPr>
-            <p:cNvPr id="38" name="テキスト ボックス 37">
-              <a:extLst>
-                <a:ext uri="{FF2B5EF4-FFF2-40B4-BE49-F238E27FC236}">
-                  <a16:creationId xmlns:a16="http://schemas.microsoft.com/office/drawing/2014/main" id="{21F29D41-9E7D-CD2F-7E7F-1CA6549B543F}"/>
-                </a:ext>
-              </a:extLst>
-            </p:cNvPr>
-            <p:cNvSpPr txBox="1"/>
-            <p:nvPr/>
-          </p:nvSpPr>
-          <p:spPr>
-            <a:xfrm>
-              <a:off x="2467754" y="2978061"/>
-              <a:ext cx="2808908" cy="430887"/>
-            </a:xfrm>
-            <a:prstGeom prst="rect">
-              <a:avLst/>
-            </a:prstGeom>
-            <a:noFill/>
-          </p:spPr>
-          <p:txBody>
-            <a:bodyPr wrap="square" rtlCol="0">
-              <a:spAutoFit/>
-            </a:bodyPr>
-            <a:lstStyle/>
-            <a:p>
-              <a:r>
-                <a:rPr kumimoji="1" lang="en-US" altLang="ja-JP" sz="1100" dirty="0" err="1"/>
-                <a:t>ScraperConfig</a:t>
-              </a:r>
-              <a:r>
-                <a:rPr kumimoji="1" lang="ja-JP" altLang="en-US" sz="1100" dirty="0"/>
-                <a:t>インスタンスのメソッドを実行する形式でスクレイピングを行う</a:t>
-              </a:r>
-            </a:p>
-          </p:txBody>
-        </p:sp>
-        <p:sp>
-          <p:nvSpPr>
-            <p:cNvPr id="14" name="テキスト ボックス 13">
-              <a:extLst>
-                <a:ext uri="{FF2B5EF4-FFF2-40B4-BE49-F238E27FC236}">
-                  <a16:creationId xmlns:a16="http://schemas.microsoft.com/office/drawing/2014/main" id="{D8A473CF-ECBB-0F77-B33B-A647FB6B0FD9}"/>
-                </a:ext>
-              </a:extLst>
-            </p:cNvPr>
-            <p:cNvSpPr txBox="1"/>
-            <p:nvPr/>
-          </p:nvSpPr>
-          <p:spPr>
-            <a:xfrm>
-              <a:off x="2506398" y="2377897"/>
-              <a:ext cx="2488052" cy="600164"/>
-            </a:xfrm>
-            <a:prstGeom prst="rect">
-              <a:avLst/>
-            </a:prstGeom>
-            <a:noFill/>
-          </p:spPr>
-          <p:txBody>
-            <a:bodyPr wrap="square" rtlCol="0">
-              <a:spAutoFit/>
-            </a:bodyPr>
-            <a:lstStyle/>
-            <a:p>
-              <a:r>
-                <a:rPr lang="en-US" altLang="ja-JP" sz="1100" dirty="0" err="1"/>
-                <a:t>ScraperConfig.json</a:t>
-              </a:r>
-              <a:r>
-                <a:rPr lang="ja-JP" altLang="en-US" sz="1100" dirty="0"/>
-                <a:t>を解釈し、</a:t>
-              </a:r>
-              <a:r>
-                <a:rPr lang="en-US" altLang="ja-JP" sz="1100" dirty="0" err="1"/>
-                <a:t>ScraperConfig</a:t>
-              </a:r>
-              <a:r>
-                <a:rPr lang="ja-JP" altLang="en-US" sz="1100" dirty="0"/>
-                <a:t>インスタンスを生成</a:t>
-              </a:r>
-              <a:endParaRPr lang="en-US" altLang="ja-JP" sz="1100" dirty="0"/>
-            </a:p>
-            <a:p>
-              <a:endParaRPr kumimoji="1" lang="ja-JP" altLang="en-US" sz="1100" dirty="0"/>
-            </a:p>
-          </p:txBody>
-        </p:sp>
-      </p:grpSp>
-      <p:sp>
-        <p:nvSpPr>
-          <p:cNvPr id="45" name="ひし形 44">
-            <a:extLst>
-              <a:ext uri="{FF2B5EF4-FFF2-40B4-BE49-F238E27FC236}">
-                <a16:creationId xmlns:a16="http://schemas.microsoft.com/office/drawing/2014/main" id="{09991F32-5DED-F69D-271C-987682E5C0B3}"/>
-              </a:ext>
-            </a:extLst>
-          </p:cNvPr>
-          <p:cNvSpPr/>
-          <p:nvPr/>
-        </p:nvSpPr>
-        <p:spPr>
-          <a:xfrm>
-            <a:off x="2475160" y="1694878"/>
-            <a:ext cx="271884" cy="230832"/>
-          </a:xfrm>
-          <a:prstGeom prst="diamond">
-            <a:avLst/>
-          </a:prstGeom>
-        </p:spPr>
-        <p:style>
-          <a:lnRef idx="2">
-            <a:schemeClr val="accent1">
-              <a:shade val="15000"/>
-            </a:schemeClr>
-          </a:lnRef>
-          <a:fillRef idx="1">
-            <a:schemeClr val="accent1"/>
-          </a:fillRef>
-          <a:effectRef idx="0">
-            <a:schemeClr val="accent1"/>
-          </a:effectRef>
-          <a:fontRef idx="minor">
-            <a:schemeClr val="lt1"/>
-          </a:fontRef>
-        </p:style>
-        <p:txBody>
-          <a:bodyPr rtlCol="0" anchor="ctr"/>
-          <a:lstStyle/>
-          <a:p>
-            <a:pPr algn="ctr"/>
-            <a:endParaRPr kumimoji="1" lang="ja-JP" altLang="en-US"/>
-          </a:p>
-        </p:txBody>
-      </p:sp>
-      <p:sp>
-        <p:nvSpPr>
-          <p:cNvPr id="48" name="ひし形 47">
-            <a:extLst>
-              <a:ext uri="{FF2B5EF4-FFF2-40B4-BE49-F238E27FC236}">
-                <a16:creationId xmlns:a16="http://schemas.microsoft.com/office/drawing/2014/main" id="{C0D674BD-02EB-25B7-F0B6-C366E7B596A2}"/>
-              </a:ext>
-            </a:extLst>
-          </p:cNvPr>
-          <p:cNvSpPr/>
-          <p:nvPr/>
-        </p:nvSpPr>
-        <p:spPr>
-          <a:xfrm>
-            <a:off x="6797712" y="1683946"/>
-            <a:ext cx="271884" cy="230832"/>
-          </a:xfrm>
-          <a:prstGeom prst="diamond">
-            <a:avLst/>
-          </a:prstGeom>
-        </p:spPr>
-        <p:style>
-          <a:lnRef idx="2">
-            <a:schemeClr val="accent1">
-              <a:shade val="15000"/>
-            </a:schemeClr>
-          </a:lnRef>
-          <a:fillRef idx="1">
-            <a:schemeClr val="accent1"/>
-          </a:fillRef>
-          <a:effectRef idx="0">
-            <a:schemeClr val="accent1"/>
-          </a:effectRef>
-          <a:fontRef idx="minor">
-            <a:schemeClr val="lt1"/>
-          </a:fontRef>
-        </p:style>
-        <p:txBody>
-          <a:bodyPr rtlCol="0" anchor="ctr"/>
-          <a:lstStyle/>
-          <a:p>
-            <a:pPr algn="ctr"/>
-            <a:endParaRPr kumimoji="1" lang="ja-JP" altLang="en-US"/>
-          </a:p>
-        </p:txBody>
-      </p:sp>
-      <p:grpSp>
-        <p:nvGrpSpPr>
-          <p:cNvPr id="67" name="グループ化 66">
-            <a:extLst>
-              <a:ext uri="{FF2B5EF4-FFF2-40B4-BE49-F238E27FC236}">
-                <a16:creationId xmlns:a16="http://schemas.microsoft.com/office/drawing/2014/main" id="{3C0E3513-9273-9B5F-6C38-C3D5AD448924}"/>
-              </a:ext>
-            </a:extLst>
-          </p:cNvPr>
-          <p:cNvGrpSpPr/>
-          <p:nvPr/>
-        </p:nvGrpSpPr>
-        <p:grpSpPr>
-          <a:xfrm>
-            <a:off x="8769555" y="2363297"/>
-            <a:ext cx="3305168" cy="4244142"/>
-            <a:chOff x="8863022" y="4841436"/>
-            <a:chExt cx="3305168" cy="4074007"/>
-          </a:xfrm>
-        </p:grpSpPr>
-        <p:sp>
-          <p:nvSpPr>
-            <p:cNvPr id="66" name="四角形: 1 つの角を丸める 65">
-              <a:extLst>
-                <a:ext uri="{FF2B5EF4-FFF2-40B4-BE49-F238E27FC236}">
-                  <a16:creationId xmlns:a16="http://schemas.microsoft.com/office/drawing/2014/main" id="{8348046D-C621-8D12-2169-867053151D83}"/>
-                </a:ext>
-              </a:extLst>
-            </p:cNvPr>
-            <p:cNvSpPr/>
-            <p:nvPr/>
-          </p:nvSpPr>
-          <p:spPr>
-            <a:xfrm>
-              <a:off x="8915634" y="4841436"/>
-              <a:ext cx="3252556" cy="4074007"/>
+              <a:off x="8860348" y="6101046"/>
+              <a:ext cx="3252556" cy="2957577"/>
             </a:xfrm>
             <a:prstGeom prst="round1Rect">
               <a:avLst/>
@@ -7494,7 +6706,7 @@
             <p:cNvPr id="8" name="テキスト ボックス 7">
               <a:extLst>
                 <a:ext uri="{FF2B5EF4-FFF2-40B4-BE49-F238E27FC236}">
-                  <a16:creationId xmlns:a16="http://schemas.microsoft.com/office/drawing/2014/main" id="{5F7B20AC-0946-BD1B-F408-3DF3F6E4D323}"/>
+                  <a16:creationId xmlns:a16="http://schemas.microsoft.com/office/drawing/2014/main" id="{C4C33030-540E-D4AE-9B61-91B0A4452D58}"/>
                 </a:ext>
               </a:extLst>
             </p:cNvPr>
@@ -7503,7 +6715,7 @@
           </p:nvSpPr>
           <p:spPr>
             <a:xfrm>
-              <a:off x="8863022" y="6310831"/>
+              <a:off x="8896121" y="7740342"/>
               <a:ext cx="3095538" cy="830997"/>
             </a:xfrm>
             <a:prstGeom prst="rect">
@@ -7553,7 +6765,7 @@
             <p:cNvPr id="35" name="テキスト ボックス 34">
               <a:extLst>
                 <a:ext uri="{FF2B5EF4-FFF2-40B4-BE49-F238E27FC236}">
-                  <a16:creationId xmlns:a16="http://schemas.microsoft.com/office/drawing/2014/main" id="{36AD343D-2B30-3AA8-D076-C4391F516AED}"/>
+                  <a16:creationId xmlns:a16="http://schemas.microsoft.com/office/drawing/2014/main" id="{9AE0B8E9-E1CC-14EB-BC7A-C3FB296ADD33}"/>
                 </a:ext>
               </a:extLst>
             </p:cNvPr>
@@ -7562,7 +6774,7 @@
           </p:nvSpPr>
           <p:spPr>
             <a:xfrm>
-              <a:off x="8863022" y="5098205"/>
+              <a:off x="8860348" y="6597700"/>
               <a:ext cx="3167085" cy="974948"/>
             </a:xfrm>
             <a:prstGeom prst="rect">
@@ -7644,7 +6856,7 @@
           <p:cNvPr id="69" name="吹き出し: 角を丸めた四角形 68">
             <a:extLst>
               <a:ext uri="{FF2B5EF4-FFF2-40B4-BE49-F238E27FC236}">
-                <a16:creationId xmlns:a16="http://schemas.microsoft.com/office/drawing/2014/main" id="{A0868970-B0EA-E17B-6AB6-B1ACB350C56D}"/>
+                <a16:creationId xmlns:a16="http://schemas.microsoft.com/office/drawing/2014/main" id="{D9286D64-000A-FA4E-1231-3B1A0B4E3072}"/>
               </a:ext>
             </a:extLst>
           </p:cNvPr>
@@ -7653,8 +6865,8 @@
         </p:nvSpPr>
         <p:spPr>
           <a:xfrm>
-            <a:off x="5151273" y="4289031"/>
-            <a:ext cx="2841663" cy="812237"/>
+            <a:off x="5151273" y="4590479"/>
+            <a:ext cx="2496703" cy="510789"/>
           </a:xfrm>
           <a:prstGeom prst="wedgeRoundRectCallout">
             <a:avLst>
@@ -7688,20 +6900,276 @@
           <a:lstStyle/>
           <a:p>
             <a:pPr algn="ctr"/>
-            <a:endParaRPr kumimoji="1" lang="ja-JP" altLang="en-US">
-              <a:solidFill>
-                <a:schemeClr val="tx1"/>
-              </a:solidFill>
-            </a:endParaRPr>
-          </a:p>
-        </p:txBody>
-      </p:sp>
-      <p:sp>
-        <p:nvSpPr>
-          <p:cNvPr id="36" name="テキスト ボックス 35">
-            <a:extLst>
-              <a:ext uri="{FF2B5EF4-FFF2-40B4-BE49-F238E27FC236}">
-                <a16:creationId xmlns:a16="http://schemas.microsoft.com/office/drawing/2014/main" id="{452001FD-C88D-757C-3D9E-9472699E9891}"/>
+            <a:r>
+              <a:rPr lang="ja-JP" altLang="en-US" sz="800" dirty="0">
+                <a:solidFill>
+                  <a:schemeClr val="tx1"/>
+                </a:solidFill>
+              </a:rPr>
+              <a:t>ユーザの操作に応じて、</a:t>
+            </a:r>
+            <a:r>
+              <a:rPr lang="en-US" altLang="ja-JP" sz="800" dirty="0" err="1">
+                <a:solidFill>
+                  <a:schemeClr val="tx1"/>
+                </a:solidFill>
+              </a:rPr>
+              <a:t>ScraperOwner</a:t>
+            </a:r>
+            <a:r>
+              <a:rPr lang="ja-JP" altLang="en-US" sz="800" dirty="0">
+                <a:solidFill>
+                  <a:schemeClr val="tx1"/>
+                </a:solidFill>
+              </a:rPr>
+              <a:t>に渡す</a:t>
+            </a:r>
+            <a:r>
+              <a:rPr lang="en-US" altLang="ja-JP" sz="800" dirty="0" err="1">
+                <a:solidFill>
+                  <a:schemeClr val="tx1"/>
+                </a:solidFill>
+              </a:rPr>
+              <a:t>ScraperConfig.json</a:t>
+            </a:r>
+            <a:r>
+              <a:rPr lang="ja-JP" altLang="en-US" sz="800" dirty="0">
+                <a:solidFill>
+                  <a:schemeClr val="tx1"/>
+                </a:solidFill>
+              </a:rPr>
+              <a:t>を決定。</a:t>
+            </a:r>
+            <a:r>
+              <a:rPr lang="en-US" altLang="ja-JP" sz="800" dirty="0" err="1">
+                <a:solidFill>
+                  <a:schemeClr val="tx1"/>
+                </a:solidFill>
+              </a:rPr>
+              <a:t>ScraperOwner</a:t>
+            </a:r>
+            <a:r>
+              <a:rPr lang="ja-JP" altLang="en-US" sz="800" dirty="0">
+                <a:solidFill>
+                  <a:schemeClr val="tx1"/>
+                </a:solidFill>
+              </a:rPr>
+              <a:t>に</a:t>
+            </a:r>
+            <a:r>
+              <a:rPr lang="en-US" altLang="ja-JP" sz="800" dirty="0" err="1">
+                <a:solidFill>
+                  <a:schemeClr val="tx1"/>
+                </a:solidFill>
+              </a:rPr>
+              <a:t>ScraperConfig.json</a:t>
+            </a:r>
+            <a:r>
+              <a:rPr lang="ja-JP" altLang="en-US" sz="800" dirty="0">
+                <a:solidFill>
+                  <a:schemeClr val="tx1"/>
+                </a:solidFill>
+              </a:rPr>
+              <a:t>ファイル名を渡す</a:t>
+            </a:r>
+          </a:p>
+        </p:txBody>
+      </p:sp>
+      <p:sp>
+        <p:nvSpPr>
+          <p:cNvPr id="12" name="四角形: 角を丸くする 11">
+            <a:extLst>
+              <a:ext uri="{FF2B5EF4-FFF2-40B4-BE49-F238E27FC236}">
+                <a16:creationId xmlns:a16="http://schemas.microsoft.com/office/drawing/2014/main" id="{71FCDC2A-93F5-55D2-7819-CCBC8EE96C38}"/>
+              </a:ext>
+            </a:extLst>
+          </p:cNvPr>
+          <p:cNvSpPr/>
+          <p:nvPr/>
+        </p:nvSpPr>
+        <p:spPr>
+          <a:xfrm>
+            <a:off x="4521290" y="161282"/>
+            <a:ext cx="1693273" cy="418223"/>
+          </a:xfrm>
+          <a:prstGeom prst="roundRect">
+            <a:avLst/>
+          </a:prstGeom>
+          <a:solidFill>
+            <a:schemeClr val="accent6"/>
+          </a:solidFill>
+        </p:spPr>
+        <p:style>
+          <a:lnRef idx="2">
+            <a:schemeClr val="accent1">
+              <a:shade val="15000"/>
+            </a:schemeClr>
+          </a:lnRef>
+          <a:fillRef idx="1">
+            <a:schemeClr val="accent1"/>
+          </a:fillRef>
+          <a:effectRef idx="0">
+            <a:schemeClr val="accent1"/>
+          </a:effectRef>
+          <a:fontRef idx="minor">
+            <a:schemeClr val="lt1"/>
+          </a:fontRef>
+        </p:style>
+        <p:txBody>
+          <a:bodyPr rtlCol="0" anchor="ctr"/>
+          <a:lstStyle/>
+          <a:p>
+            <a:pPr algn="ctr"/>
+            <a:r>
+              <a:rPr kumimoji="1" lang="en-US" altLang="ja-JP" sz="1200" dirty="0" err="1"/>
+              <a:t>PostsScraperConfig</a:t>
+            </a:r>
+            <a:endParaRPr kumimoji="1" lang="ja-JP" altLang="en-US" sz="1200" dirty="0"/>
+          </a:p>
+        </p:txBody>
+      </p:sp>
+      <p:sp>
+        <p:nvSpPr>
+          <p:cNvPr id="13" name="吹き出し: 角を丸めた四角形 12">
+            <a:extLst>
+              <a:ext uri="{FF2B5EF4-FFF2-40B4-BE49-F238E27FC236}">
+                <a16:creationId xmlns:a16="http://schemas.microsoft.com/office/drawing/2014/main" id="{02DA58FB-BA59-B02B-8DA5-717B748A4303}"/>
+              </a:ext>
+            </a:extLst>
+          </p:cNvPr>
+          <p:cNvSpPr/>
+          <p:nvPr/>
+        </p:nvSpPr>
+        <p:spPr>
+          <a:xfrm>
+            <a:off x="6872121" y="226092"/>
+            <a:ext cx="1551709" cy="341777"/>
+          </a:xfrm>
+          <a:prstGeom prst="wedgeRoundRectCallout">
+            <a:avLst>
+              <a:gd name="adj1" fmla="val -84067"/>
+              <a:gd name="adj2" fmla="val -3982"/>
+              <a:gd name="adj3" fmla="val 16667"/>
+            </a:avLst>
+          </a:prstGeom>
+          <a:solidFill>
+            <a:schemeClr val="bg1"/>
+          </a:solidFill>
+        </p:spPr>
+        <p:style>
+          <a:lnRef idx="2">
+            <a:schemeClr val="accent1">
+              <a:shade val="15000"/>
+            </a:schemeClr>
+          </a:lnRef>
+          <a:fillRef idx="1">
+            <a:schemeClr val="accent1"/>
+          </a:fillRef>
+          <a:effectRef idx="0">
+            <a:schemeClr val="accent1"/>
+          </a:effectRef>
+          <a:fontRef idx="minor">
+            <a:schemeClr val="lt1"/>
+          </a:fontRef>
+        </p:style>
+        <p:txBody>
+          <a:bodyPr rtlCol="0" anchor="ctr"/>
+          <a:lstStyle/>
+          <a:p>
+            <a:pPr algn="ctr"/>
+            <a:r>
+              <a:rPr kumimoji="1" lang="ja-JP" altLang="en-US" sz="800" dirty="0">
+                <a:solidFill>
+                  <a:schemeClr val="tx1"/>
+                </a:solidFill>
+              </a:rPr>
+              <a:t>サイトカテゴリーごとに新しく作成定義する</a:t>
+            </a:r>
+          </a:p>
+        </p:txBody>
+      </p:sp>
+      <p:sp>
+        <p:nvSpPr>
+          <p:cNvPr id="49" name="ひし形 48">
+            <a:extLst>
+              <a:ext uri="{FF2B5EF4-FFF2-40B4-BE49-F238E27FC236}">
+                <a16:creationId xmlns:a16="http://schemas.microsoft.com/office/drawing/2014/main" id="{5804F0FB-C14C-0CE9-8153-221774FD8C4E}"/>
+              </a:ext>
+            </a:extLst>
+          </p:cNvPr>
+          <p:cNvSpPr/>
+          <p:nvPr/>
+        </p:nvSpPr>
+        <p:spPr>
+          <a:xfrm>
+            <a:off x="2444909" y="1695739"/>
+            <a:ext cx="191010" cy="192495"/>
+          </a:xfrm>
+          <a:prstGeom prst="diamond">
+            <a:avLst/>
+          </a:prstGeom>
+        </p:spPr>
+        <p:style>
+          <a:lnRef idx="2">
+            <a:schemeClr val="dk1">
+              <a:shade val="15000"/>
+            </a:schemeClr>
+          </a:lnRef>
+          <a:fillRef idx="1">
+            <a:schemeClr val="dk1"/>
+          </a:fillRef>
+          <a:effectRef idx="0">
+            <a:schemeClr val="dk1"/>
+          </a:effectRef>
+          <a:fontRef idx="minor">
+            <a:schemeClr val="lt1"/>
+          </a:fontRef>
+        </p:style>
+        <p:txBody>
+          <a:bodyPr rtlCol="0" anchor="ctr"/>
+          <a:lstStyle/>
+          <a:p>
+            <a:pPr algn="ctr"/>
+            <a:endParaRPr kumimoji="1" lang="ja-JP" altLang="en-US"/>
+          </a:p>
+        </p:txBody>
+      </p:sp>
+    </p:spTree>
+    <p:extLst>
+      <p:ext uri="{BB962C8B-B14F-4D97-AF65-F5344CB8AC3E}">
+        <p14:creationId xmlns:p14="http://schemas.microsoft.com/office/powerpoint/2010/main" val="514915729"/>
+      </p:ext>
+    </p:extLst>
+  </p:cSld>
+  <p:clrMapOvr>
+    <a:masterClrMapping/>
+  </p:clrMapOvr>
+</p:sld>
+</file>
+
+<file path=ppt/slides/slide3.xml><?xml version="1.0" encoding="utf-8"?>
+<p:sld xmlns:a="http://schemas.openxmlformats.org/drawingml/2006/main" xmlns:r="http://schemas.openxmlformats.org/officeDocument/2006/relationships" xmlns:p="http://schemas.openxmlformats.org/presentationml/2006/main">
+  <p:cSld>
+    <p:spTree>
+      <p:nvGrpSpPr>
+        <p:cNvPr id="1" name=""/>
+        <p:cNvGrpSpPr/>
+        <p:nvPr/>
+      </p:nvGrpSpPr>
+      <p:grpSpPr>
+        <a:xfrm>
+          <a:off x="0" y="0"/>
+          <a:ext cx="0" cy="0"/>
+          <a:chOff x="0" y="0"/>
+          <a:chExt cx="0" cy="0"/>
+        </a:xfrm>
+      </p:grpSpPr>
+      <p:sp>
+        <p:nvSpPr>
+          <p:cNvPr id="4" name="テキスト ボックス 3">
+            <a:extLst>
+              <a:ext uri="{FF2B5EF4-FFF2-40B4-BE49-F238E27FC236}">
+                <a16:creationId xmlns:a16="http://schemas.microsoft.com/office/drawing/2014/main" id="{DA62B677-7F29-6D21-3F69-F4AE4F6583D6}"/>
               </a:ext>
             </a:extLst>
           </p:cNvPr>
@@ -7710,8 +7178,8 @@
         </p:nvSpPr>
         <p:spPr>
           <a:xfrm>
-            <a:off x="5166887" y="4375035"/>
-            <a:ext cx="2841663" cy="769441"/>
+            <a:off x="618836" y="249442"/>
+            <a:ext cx="3325091" cy="369332"/>
           </a:xfrm>
           <a:prstGeom prst="rect">
             <a:avLst/>
@@ -7725,49 +7193,167 @@
           <a:lstStyle/>
           <a:p>
             <a:r>
+              <a:rPr kumimoji="1" lang="en-US" altLang="ja-JP" dirty="0" err="1"/>
+              <a:t>ScrapingConfig</a:t>
+            </a:r>
+            <a:endParaRPr kumimoji="1" lang="en-US" altLang="ja-JP" dirty="0"/>
+          </a:p>
+        </p:txBody>
+      </p:sp>
+      <p:sp>
+        <p:nvSpPr>
+          <p:cNvPr id="5" name="テキスト ボックス 4">
+            <a:extLst>
+              <a:ext uri="{FF2B5EF4-FFF2-40B4-BE49-F238E27FC236}">
+                <a16:creationId xmlns:a16="http://schemas.microsoft.com/office/drawing/2014/main" id="{98C0B1F6-3375-6388-AB9E-7C6BBB804AC6}"/>
+              </a:ext>
+            </a:extLst>
+          </p:cNvPr>
+          <p:cNvSpPr txBox="1"/>
+          <p:nvPr/>
+        </p:nvSpPr>
+        <p:spPr>
+          <a:xfrm>
+            <a:off x="618836" y="794327"/>
+            <a:ext cx="4341091" cy="769441"/>
+          </a:xfrm>
+          <a:prstGeom prst="rect">
+            <a:avLst/>
+          </a:prstGeom>
+          <a:noFill/>
+        </p:spPr>
+        <p:txBody>
+          <a:bodyPr wrap="square" rtlCol="0">
+            <a:spAutoFit/>
+          </a:bodyPr>
+          <a:lstStyle/>
+          <a:p>
+            <a:r>
+              <a:rPr kumimoji="1" lang="en-US" altLang="ja-JP" sz="1100" dirty="0" err="1"/>
+              <a:t>ScrapingOwner</a:t>
+            </a:r>
+            <a:r>
               <a:rPr kumimoji="1" lang="ja-JP" altLang="en-US" sz="1100" dirty="0"/>
-              <a:t>ユーザの操作に応じて、</a:t>
+              <a:t>が</a:t>
             </a:r>
             <a:r>
               <a:rPr kumimoji="1" lang="en-US" altLang="ja-JP" sz="1100" dirty="0" err="1"/>
-              <a:t>ScraperOwner</a:t>
+              <a:t>ScrapingConfig.json</a:t>
             </a:r>
             <a:r>
               <a:rPr kumimoji="1" lang="ja-JP" altLang="en-US" sz="1100" dirty="0"/>
-              <a:t>に渡す</a:t>
-            </a:r>
-            <a:r>
-              <a:rPr lang="en-US" altLang="ja-JP" sz="1100" dirty="0" err="1"/>
-              <a:t>ScraperConfig.json</a:t>
-            </a:r>
+              <a:t>を</a:t>
+            </a:r>
+            <a:r>
+              <a:rPr kumimoji="1" lang="en-US" altLang="ja-JP" sz="1100" dirty="0"/>
+              <a:t>input</a:t>
+            </a:r>
+            <a:r>
+              <a:rPr kumimoji="1" lang="ja-JP" altLang="en-US" sz="1100" dirty="0"/>
+              <a:t>して、</a:t>
+            </a:r>
+            <a:r>
+              <a:rPr kumimoji="1" lang="en-US" altLang="ja-JP" sz="1100" dirty="0" err="1"/>
+              <a:t>ScrapingConfig</a:t>
+            </a:r>
+            <a:r>
+              <a:rPr kumimoji="1" lang="ja-JP" altLang="en-US" sz="1100" dirty="0"/>
+              <a:t>インスタンスを生成</a:t>
+            </a:r>
+            <a:endParaRPr kumimoji="1" lang="en-US" altLang="ja-JP" sz="1100" dirty="0"/>
+          </a:p>
+          <a:p>
             <a:r>
               <a:rPr lang="ja-JP" altLang="en-US" sz="1100" dirty="0"/>
-              <a:t>を決定。</a:t>
-            </a:r>
-            <a:r>
-              <a:rPr lang="en-US" altLang="ja-JP" sz="1100" dirty="0" err="1"/>
-              <a:t>ScraperOwner</a:t>
+              <a:t>サイトのカテゴリによって、保持する</a:t>
+            </a:r>
+            <a:r>
+              <a:rPr lang="en-US" altLang="ja-JP" sz="1100" dirty="0"/>
+              <a:t>composition</a:t>
             </a:r>
             <a:r>
               <a:rPr lang="ja-JP" altLang="en-US" sz="1100" dirty="0"/>
-              <a:t>に</a:t>
-            </a:r>
-            <a:r>
-              <a:rPr lang="en-US" altLang="ja-JP" sz="1100" dirty="0" err="1"/>
-              <a:t>ScraperConfig.json</a:t>
-            </a:r>
-            <a:r>
-              <a:rPr lang="ja-JP" altLang="en-US" sz="1100" dirty="0"/>
-              <a:t>ファイル名を渡す</a:t>
+              <a:t>フィールドを変える</a:t>
             </a:r>
             <a:endParaRPr kumimoji="1" lang="ja-JP" altLang="en-US" sz="1100" dirty="0"/>
+          </a:p>
+        </p:txBody>
+      </p:sp>
+      <p:sp>
+        <p:nvSpPr>
+          <p:cNvPr id="7" name="テキスト ボックス 6">
+            <a:extLst>
+              <a:ext uri="{FF2B5EF4-FFF2-40B4-BE49-F238E27FC236}">
+                <a16:creationId xmlns:a16="http://schemas.microsoft.com/office/drawing/2014/main" id="{29A44D54-C0BD-DCB4-838D-AFC45774520C}"/>
+              </a:ext>
+            </a:extLst>
+          </p:cNvPr>
+          <p:cNvSpPr txBox="1"/>
+          <p:nvPr/>
+        </p:nvSpPr>
+        <p:spPr>
+          <a:xfrm>
+            <a:off x="895927" y="2216789"/>
+            <a:ext cx="3325091" cy="369332"/>
+          </a:xfrm>
+          <a:prstGeom prst="rect">
+            <a:avLst/>
+          </a:prstGeom>
+          <a:noFill/>
+        </p:spPr>
+        <p:txBody>
+          <a:bodyPr wrap="square" rtlCol="0">
+            <a:spAutoFit/>
+          </a:bodyPr>
+          <a:lstStyle/>
+          <a:p>
+            <a:r>
+              <a:rPr kumimoji="1" lang="en-US" altLang="ja-JP" dirty="0" err="1"/>
+              <a:t>ScrapingConfig</a:t>
+            </a:r>
+            <a:endParaRPr kumimoji="1" lang="en-US" altLang="ja-JP" dirty="0"/>
+          </a:p>
+        </p:txBody>
+      </p:sp>
+      <p:sp>
+        <p:nvSpPr>
+          <p:cNvPr id="9" name="テキスト ボックス 8">
+            <a:extLst>
+              <a:ext uri="{FF2B5EF4-FFF2-40B4-BE49-F238E27FC236}">
+                <a16:creationId xmlns:a16="http://schemas.microsoft.com/office/drawing/2014/main" id="{E7307B26-63DA-01F2-61D9-6AE58654BE8F}"/>
+              </a:ext>
+            </a:extLst>
+          </p:cNvPr>
+          <p:cNvSpPr txBox="1"/>
+          <p:nvPr/>
+        </p:nvSpPr>
+        <p:spPr>
+          <a:xfrm>
+            <a:off x="2142836" y="4271880"/>
+            <a:ext cx="3195782" cy="369332"/>
+          </a:xfrm>
+          <a:prstGeom prst="rect">
+            <a:avLst/>
+          </a:prstGeom>
+          <a:noFill/>
+        </p:spPr>
+        <p:txBody>
+          <a:bodyPr wrap="square" rtlCol="0">
+            <a:spAutoFit/>
+          </a:bodyPr>
+          <a:lstStyle/>
+          <a:p>
+            <a:r>
+              <a:rPr kumimoji="1" lang="en-US" altLang="ja-JP" dirty="0"/>
+              <a:t>ScrapingLogic</a:t>
+            </a:r>
           </a:p>
         </p:txBody>
       </p:sp>
     </p:spTree>
     <p:extLst>
       <p:ext uri="{BB962C8B-B14F-4D97-AF65-F5344CB8AC3E}">
-        <p14:creationId xmlns:p14="http://schemas.microsoft.com/office/powerpoint/2010/main" val="3214317291"/>
+        <p14:creationId xmlns:p14="http://schemas.microsoft.com/office/powerpoint/2010/main" val="2485950146"/>
       </p:ext>
     </p:extLst>
   </p:cSld>
